--- a/figures/fig2.pptx
+++ b/figures/fig2.pptx
@@ -5,11 +5,12 @@
     <p:sldMasterId id="2147483648" r:id="rId1"/>
   </p:sldMasterIdLst>
   <p:notesMasterIdLst>
-    <p:notesMasterId r:id="rId4"/>
+    <p:notesMasterId r:id="rId5"/>
   </p:notesMasterIdLst>
   <p:sldIdLst>
     <p:sldId id="256" r:id="rId2"/>
     <p:sldId id="257" r:id="rId3"/>
+    <p:sldId id="258" r:id="rId4"/>
   </p:sldIdLst>
   <p:sldSz cx="12192000" cy="6858000"/>
   <p:notesSz cx="6858000" cy="9144000"/>
@@ -198,7 +199,7 @@
           <a:p>
             <a:fld id="{EE059957-E05F-F147-A4C8-F4B224500FD7}" type="datetimeFigureOut">
               <a:rPr lang="en-US" smtClean="0"/>
-              <a:t>10/18/23</a:t>
+              <a:t>10/2/24</a:t>
             </a:fld>
             <a:endParaRPr lang="en-US"/>
           </a:p>
@@ -699,7 +700,7 @@
           <a:p>
             <a:fld id="{9F28BF09-1815-BE48-B712-3508DE979B95}" type="datetimeFigureOut">
               <a:rPr lang="en-US" smtClean="0"/>
-              <a:t>10/18/23</a:t>
+              <a:t>10/2/24</a:t>
             </a:fld>
             <a:endParaRPr lang="en-US"/>
           </a:p>
@@ -899,7 +900,7 @@
           <a:p>
             <a:fld id="{9F28BF09-1815-BE48-B712-3508DE979B95}" type="datetimeFigureOut">
               <a:rPr lang="en-US" smtClean="0"/>
-              <a:t>10/18/23</a:t>
+              <a:t>10/2/24</a:t>
             </a:fld>
             <a:endParaRPr lang="en-US"/>
           </a:p>
@@ -1109,7 +1110,7 @@
           <a:p>
             <a:fld id="{9F28BF09-1815-BE48-B712-3508DE979B95}" type="datetimeFigureOut">
               <a:rPr lang="en-US" smtClean="0"/>
-              <a:t>10/18/23</a:t>
+              <a:t>10/2/24</a:t>
             </a:fld>
             <a:endParaRPr lang="en-US"/>
           </a:p>
@@ -1309,7 +1310,7 @@
           <a:p>
             <a:fld id="{9F28BF09-1815-BE48-B712-3508DE979B95}" type="datetimeFigureOut">
               <a:rPr lang="en-US" smtClean="0"/>
-              <a:t>10/18/23</a:t>
+              <a:t>10/2/24</a:t>
             </a:fld>
             <a:endParaRPr lang="en-US"/>
           </a:p>
@@ -1585,7 +1586,7 @@
           <a:p>
             <a:fld id="{9F28BF09-1815-BE48-B712-3508DE979B95}" type="datetimeFigureOut">
               <a:rPr lang="en-US" smtClean="0"/>
-              <a:t>10/18/23</a:t>
+              <a:t>10/2/24</a:t>
             </a:fld>
             <a:endParaRPr lang="en-US"/>
           </a:p>
@@ -1853,7 +1854,7 @@
           <a:p>
             <a:fld id="{9F28BF09-1815-BE48-B712-3508DE979B95}" type="datetimeFigureOut">
               <a:rPr lang="en-US" smtClean="0"/>
-              <a:t>10/18/23</a:t>
+              <a:t>10/2/24</a:t>
             </a:fld>
             <a:endParaRPr lang="en-US"/>
           </a:p>
@@ -2268,7 +2269,7 @@
           <a:p>
             <a:fld id="{9F28BF09-1815-BE48-B712-3508DE979B95}" type="datetimeFigureOut">
               <a:rPr lang="en-US" smtClean="0"/>
-              <a:t>10/18/23</a:t>
+              <a:t>10/2/24</a:t>
             </a:fld>
             <a:endParaRPr lang="en-US"/>
           </a:p>
@@ -2410,7 +2411,7 @@
           <a:p>
             <a:fld id="{9F28BF09-1815-BE48-B712-3508DE979B95}" type="datetimeFigureOut">
               <a:rPr lang="en-US" smtClean="0"/>
-              <a:t>10/18/23</a:t>
+              <a:t>10/2/24</a:t>
             </a:fld>
             <a:endParaRPr lang="en-US"/>
           </a:p>
@@ -2523,7 +2524,7 @@
           <a:p>
             <a:fld id="{9F28BF09-1815-BE48-B712-3508DE979B95}" type="datetimeFigureOut">
               <a:rPr lang="en-US" smtClean="0"/>
-              <a:t>10/18/23</a:t>
+              <a:t>10/2/24</a:t>
             </a:fld>
             <a:endParaRPr lang="en-US"/>
           </a:p>
@@ -2836,7 +2837,7 @@
           <a:p>
             <a:fld id="{9F28BF09-1815-BE48-B712-3508DE979B95}" type="datetimeFigureOut">
               <a:rPr lang="en-US" smtClean="0"/>
-              <a:t>10/18/23</a:t>
+              <a:t>10/2/24</a:t>
             </a:fld>
             <a:endParaRPr lang="en-US"/>
           </a:p>
@@ -3125,7 +3126,7 @@
           <a:p>
             <a:fld id="{9F28BF09-1815-BE48-B712-3508DE979B95}" type="datetimeFigureOut">
               <a:rPr lang="en-US" smtClean="0"/>
-              <a:t>10/18/23</a:t>
+              <a:t>10/2/24</a:t>
             </a:fld>
             <a:endParaRPr lang="en-US"/>
           </a:p>
@@ -3368,7 +3369,7 @@
           <a:p>
             <a:fld id="{9F28BF09-1815-BE48-B712-3508DE979B95}" type="datetimeFigureOut">
               <a:rPr lang="en-US" smtClean="0"/>
-              <a:t>10/18/23</a:t>
+              <a:t>10/2/24</a:t>
             </a:fld>
             <a:endParaRPr lang="en-US"/>
           </a:p>
@@ -5656,6 +5657,410 @@
 </p:sld>
 </file>
 
+<file path=ppt/slides/slide3.xml><?xml version="1.0" encoding="utf-8"?>
+<p:sld xmlns:a="http://schemas.openxmlformats.org/drawingml/2006/main" xmlns:r="http://schemas.openxmlformats.org/officeDocument/2006/relationships" xmlns:p="http://schemas.openxmlformats.org/presentationml/2006/main">
+  <p:cSld>
+    <p:spTree>
+      <p:nvGrpSpPr>
+        <p:cNvPr id="1" name=""/>
+        <p:cNvGrpSpPr/>
+        <p:nvPr/>
+      </p:nvGrpSpPr>
+      <p:grpSpPr>
+        <a:xfrm>
+          <a:off x="0" y="0"/>
+          <a:ext cx="0" cy="0"/>
+          <a:chOff x="0" y="0"/>
+          <a:chExt cx="0" cy="0"/>
+        </a:xfrm>
+      </p:grpSpPr>
+      <p:grpSp>
+        <p:nvGrpSpPr>
+          <p:cNvPr id="12" name="Group 11">
+            <a:extLst>
+              <a:ext uri="{FF2B5EF4-FFF2-40B4-BE49-F238E27FC236}">
+                <a16:creationId xmlns:a16="http://schemas.microsoft.com/office/drawing/2014/main" id="{0606B350-B200-92DA-9D5C-FBC888714BD9}"/>
+              </a:ext>
+            </a:extLst>
+          </p:cNvPr>
+          <p:cNvGrpSpPr/>
+          <p:nvPr/>
+        </p:nvGrpSpPr>
+        <p:grpSpPr>
+          <a:xfrm>
+            <a:off x="2459421" y="0"/>
+            <a:ext cx="7514896" cy="6858000"/>
+            <a:chOff x="2459421" y="0"/>
+            <a:chExt cx="7514896" cy="6858000"/>
+          </a:xfrm>
+        </p:grpSpPr>
+        <p:sp>
+          <p:nvSpPr>
+            <p:cNvPr id="11" name="Rectangle 10">
+              <a:extLst>
+                <a:ext uri="{FF2B5EF4-FFF2-40B4-BE49-F238E27FC236}">
+                  <a16:creationId xmlns:a16="http://schemas.microsoft.com/office/drawing/2014/main" id="{E40DC1A0-30F0-43D2-02D0-6D0769359A9B}"/>
+                </a:ext>
+              </a:extLst>
+            </p:cNvPr>
+            <p:cNvSpPr/>
+            <p:nvPr/>
+          </p:nvSpPr>
+          <p:spPr>
+            <a:xfrm>
+              <a:off x="2459421" y="0"/>
+              <a:ext cx="7514896" cy="6858000"/>
+            </a:xfrm>
+            <a:prstGeom prst="rect">
+              <a:avLst/>
+            </a:prstGeom>
+            <a:solidFill>
+              <a:schemeClr val="bg1"/>
+            </a:solidFill>
+            <a:ln>
+              <a:noFill/>
+            </a:ln>
+          </p:spPr>
+          <p:style>
+            <a:lnRef idx="2">
+              <a:schemeClr val="accent1">
+                <a:shade val="15000"/>
+              </a:schemeClr>
+            </a:lnRef>
+            <a:fillRef idx="1">
+              <a:schemeClr val="accent1"/>
+            </a:fillRef>
+            <a:effectRef idx="0">
+              <a:schemeClr val="accent1"/>
+            </a:effectRef>
+            <a:fontRef idx="minor">
+              <a:schemeClr val="lt1"/>
+            </a:fontRef>
+          </p:style>
+          <p:txBody>
+            <a:bodyPr rtlCol="0" anchor="ctr"/>
+            <a:lstStyle/>
+            <a:p>
+              <a:pPr algn="ctr"/>
+              <a:endParaRPr lang="en-US"/>
+            </a:p>
+          </p:txBody>
+        </p:sp>
+        <p:pic>
+          <p:nvPicPr>
+            <p:cNvPr id="4" name="Picture 3">
+              <a:extLst>
+                <a:ext uri="{FF2B5EF4-FFF2-40B4-BE49-F238E27FC236}">
+                  <a16:creationId xmlns:a16="http://schemas.microsoft.com/office/drawing/2014/main" id="{D7E4AB20-6ED4-8967-256B-0F0B563FD650}"/>
+                </a:ext>
+              </a:extLst>
+            </p:cNvPr>
+            <p:cNvPicPr>
+              <a:picLocks noChangeAspect="1"/>
+            </p:cNvPicPr>
+            <p:nvPr/>
+          </p:nvPicPr>
+          <p:blipFill>
+            <a:blip r:embed="rId2"/>
+            <a:stretch>
+              <a:fillRect/>
+            </a:stretch>
+          </p:blipFill>
+          <p:spPr>
+            <a:xfrm>
+              <a:off x="2667000" y="0"/>
+              <a:ext cx="6858000" cy="6858000"/>
+            </a:xfrm>
+            <a:prstGeom prst="rect">
+              <a:avLst/>
+            </a:prstGeom>
+          </p:spPr>
+        </p:pic>
+        <p:sp>
+          <p:nvSpPr>
+            <p:cNvPr id="5" name="TextBox 4">
+              <a:extLst>
+                <a:ext uri="{FF2B5EF4-FFF2-40B4-BE49-F238E27FC236}">
+                  <a16:creationId xmlns:a16="http://schemas.microsoft.com/office/drawing/2014/main" id="{BAE7A0B4-D5F7-73EB-2149-71F637640B4E}"/>
+                </a:ext>
+              </a:extLst>
+            </p:cNvPr>
+            <p:cNvSpPr txBox="1"/>
+            <p:nvPr/>
+          </p:nvSpPr>
+          <p:spPr>
+            <a:xfrm>
+              <a:off x="7615645" y="3815810"/>
+              <a:ext cx="2066109" cy="1754326"/>
+            </a:xfrm>
+            <a:prstGeom prst="rect">
+              <a:avLst/>
+            </a:prstGeom>
+            <a:noFill/>
+          </p:spPr>
+          <p:txBody>
+            <a:bodyPr wrap="square" rtlCol="0">
+              <a:spAutoFit/>
+            </a:bodyPr>
+            <a:lstStyle/>
+            <a:p>
+              <a:r>
+                <a:rPr lang="en-US" dirty="0">
+                  <a:solidFill>
+                    <a:srgbClr val="7030A0"/>
+                  </a:solidFill>
+                  <a:latin typeface="Arial" panose="020B0604020202020204" pitchFamily="34" charset="0"/>
+                  <a:cs typeface="Arial" panose="020B0604020202020204" pitchFamily="34" charset="0"/>
+                </a:rPr>
+                <a:t> x = Number of days of observed root growth after the date of peak aboveground growth</a:t>
+              </a:r>
+            </a:p>
+          </p:txBody>
+        </p:sp>
+        <p:sp>
+          <p:nvSpPr>
+            <p:cNvPr id="6" name="TextBox 5">
+              <a:extLst>
+                <a:ext uri="{FF2B5EF4-FFF2-40B4-BE49-F238E27FC236}">
+                  <a16:creationId xmlns:a16="http://schemas.microsoft.com/office/drawing/2014/main" id="{0E699D2C-19A7-791E-5401-F9F3149AB6C4}"/>
+                </a:ext>
+              </a:extLst>
+            </p:cNvPr>
+            <p:cNvSpPr txBox="1"/>
+            <p:nvPr/>
+          </p:nvSpPr>
+          <p:spPr>
+            <a:xfrm>
+              <a:off x="6677059" y="1756475"/>
+              <a:ext cx="441146" cy="369332"/>
+            </a:xfrm>
+            <a:prstGeom prst="rect">
+              <a:avLst/>
+            </a:prstGeom>
+            <a:noFill/>
+            <a:ln>
+              <a:solidFill>
+                <a:srgbClr val="7030A0"/>
+              </a:solidFill>
+            </a:ln>
+          </p:spPr>
+          <p:txBody>
+            <a:bodyPr wrap="none" rtlCol="0">
+              <a:spAutoFit/>
+            </a:bodyPr>
+            <a:lstStyle/>
+            <a:p>
+              <a:r>
+                <a:rPr lang="en-US" dirty="0">
+                  <a:solidFill>
+                    <a:srgbClr val="7030A0"/>
+                  </a:solidFill>
+                  <a:latin typeface="Arial" panose="020B0604020202020204" pitchFamily="34" charset="0"/>
+                  <a:cs typeface="Arial" panose="020B0604020202020204" pitchFamily="34" charset="0"/>
+                </a:rPr>
+                <a:t>32</a:t>
+              </a:r>
+            </a:p>
+          </p:txBody>
+        </p:sp>
+        <p:sp>
+          <p:nvSpPr>
+            <p:cNvPr id="7" name="TextBox 6">
+              <a:extLst>
+                <a:ext uri="{FF2B5EF4-FFF2-40B4-BE49-F238E27FC236}">
+                  <a16:creationId xmlns:a16="http://schemas.microsoft.com/office/drawing/2014/main" id="{29D8DE59-D924-6CF5-E886-308D9FC1F6B7}"/>
+                </a:ext>
+              </a:extLst>
+            </p:cNvPr>
+            <p:cNvSpPr txBox="1"/>
+            <p:nvPr/>
+          </p:nvSpPr>
+          <p:spPr>
+            <a:xfrm>
+              <a:off x="8993099" y="1739225"/>
+              <a:ext cx="441146" cy="369332"/>
+            </a:xfrm>
+            <a:prstGeom prst="rect">
+              <a:avLst/>
+            </a:prstGeom>
+            <a:noFill/>
+            <a:ln>
+              <a:solidFill>
+                <a:srgbClr val="7030A0"/>
+              </a:solidFill>
+            </a:ln>
+          </p:spPr>
+          <p:txBody>
+            <a:bodyPr wrap="none" rtlCol="0">
+              <a:spAutoFit/>
+            </a:bodyPr>
+            <a:lstStyle/>
+            <a:p>
+              <a:r>
+                <a:rPr lang="en-US" dirty="0">
+                  <a:solidFill>
+                    <a:srgbClr val="7030A0"/>
+                  </a:solidFill>
+                  <a:latin typeface="Arial" panose="020B0604020202020204" pitchFamily="34" charset="0"/>
+                  <a:cs typeface="Arial" panose="020B0604020202020204" pitchFamily="34" charset="0"/>
+                </a:rPr>
+                <a:t>62</a:t>
+              </a:r>
+            </a:p>
+          </p:txBody>
+        </p:sp>
+        <p:sp>
+          <p:nvSpPr>
+            <p:cNvPr id="8" name="TextBox 7">
+              <a:extLst>
+                <a:ext uri="{FF2B5EF4-FFF2-40B4-BE49-F238E27FC236}">
+                  <a16:creationId xmlns:a16="http://schemas.microsoft.com/office/drawing/2014/main" id="{AB9F76C5-D644-37BE-4948-D7C6D9AC0170}"/>
+                </a:ext>
+              </a:extLst>
+            </p:cNvPr>
+            <p:cNvSpPr txBox="1"/>
+            <p:nvPr/>
+          </p:nvSpPr>
+          <p:spPr>
+            <a:xfrm>
+              <a:off x="4479604" y="5193661"/>
+              <a:ext cx="441146" cy="369332"/>
+            </a:xfrm>
+            <a:prstGeom prst="rect">
+              <a:avLst/>
+            </a:prstGeom>
+            <a:noFill/>
+            <a:ln>
+              <a:solidFill>
+                <a:srgbClr val="7030A0"/>
+              </a:solidFill>
+            </a:ln>
+          </p:spPr>
+          <p:txBody>
+            <a:bodyPr wrap="none" rtlCol="0">
+              <a:spAutoFit/>
+            </a:bodyPr>
+            <a:lstStyle/>
+            <a:p>
+              <a:r>
+                <a:rPr lang="en-US" dirty="0">
+                  <a:solidFill>
+                    <a:srgbClr val="7030A0"/>
+                  </a:solidFill>
+                  <a:latin typeface="Arial" panose="020B0604020202020204" pitchFamily="34" charset="0"/>
+                  <a:cs typeface="Arial" panose="020B0604020202020204" pitchFamily="34" charset="0"/>
+                </a:rPr>
+                <a:t>47</a:t>
+              </a:r>
+            </a:p>
+          </p:txBody>
+        </p:sp>
+        <p:sp>
+          <p:nvSpPr>
+            <p:cNvPr id="9" name="TextBox 8">
+              <a:extLst>
+                <a:ext uri="{FF2B5EF4-FFF2-40B4-BE49-F238E27FC236}">
+                  <a16:creationId xmlns:a16="http://schemas.microsoft.com/office/drawing/2014/main" id="{247A5D98-B26E-B56B-D5EC-B316CD4F25C7}"/>
+                </a:ext>
+              </a:extLst>
+            </p:cNvPr>
+            <p:cNvSpPr txBox="1"/>
+            <p:nvPr/>
+          </p:nvSpPr>
+          <p:spPr>
+            <a:xfrm>
+              <a:off x="6733354" y="5180181"/>
+              <a:ext cx="569387" cy="369332"/>
+            </a:xfrm>
+            <a:prstGeom prst="rect">
+              <a:avLst/>
+            </a:prstGeom>
+            <a:noFill/>
+            <a:ln>
+              <a:solidFill>
+                <a:srgbClr val="7030A0"/>
+              </a:solidFill>
+            </a:ln>
+          </p:spPr>
+          <p:txBody>
+            <a:bodyPr wrap="none" rtlCol="0">
+              <a:spAutoFit/>
+            </a:bodyPr>
+            <a:lstStyle/>
+            <a:p>
+              <a:r>
+                <a:rPr lang="en-US" dirty="0">
+                  <a:solidFill>
+                    <a:srgbClr val="7030A0"/>
+                  </a:solidFill>
+                  <a:latin typeface="Arial" panose="020B0604020202020204" pitchFamily="34" charset="0"/>
+                  <a:cs typeface="Arial" panose="020B0604020202020204" pitchFamily="34" charset="0"/>
+                </a:rPr>
+                <a:t>101</a:t>
+              </a:r>
+            </a:p>
+          </p:txBody>
+        </p:sp>
+        <p:sp>
+          <p:nvSpPr>
+            <p:cNvPr id="10" name="TextBox 9">
+              <a:extLst>
+                <a:ext uri="{FF2B5EF4-FFF2-40B4-BE49-F238E27FC236}">
+                  <a16:creationId xmlns:a16="http://schemas.microsoft.com/office/drawing/2014/main" id="{149DE0BE-ACC4-A907-C581-43AB92703FFF}"/>
+                </a:ext>
+              </a:extLst>
+            </p:cNvPr>
+            <p:cNvSpPr txBox="1"/>
+            <p:nvPr/>
+          </p:nvSpPr>
+          <p:spPr>
+            <a:xfrm>
+              <a:off x="4038458" y="1756475"/>
+              <a:ext cx="882292" cy="507831"/>
+            </a:xfrm>
+            <a:prstGeom prst="rect">
+              <a:avLst/>
+            </a:prstGeom>
+            <a:noFill/>
+            <a:ln>
+              <a:solidFill>
+                <a:srgbClr val="7030A0"/>
+              </a:solidFill>
+            </a:ln>
+          </p:spPr>
+          <p:txBody>
+            <a:bodyPr wrap="square" rtlCol="0">
+              <a:spAutoFit/>
+            </a:bodyPr>
+            <a:lstStyle/>
+            <a:p>
+              <a:r>
+                <a:rPr lang="en-US" sz="900" dirty="0">
+                  <a:solidFill>
+                    <a:srgbClr val="7030A0"/>
+                  </a:solidFill>
+                  <a:latin typeface="Arial" panose="020B0604020202020204" pitchFamily="34" charset="0"/>
+                  <a:cs typeface="Arial" panose="020B0604020202020204" pitchFamily="34" charset="0"/>
+                </a:rPr>
+                <a:t>No observed increases in root biomass</a:t>
+              </a:r>
+            </a:p>
+          </p:txBody>
+        </p:sp>
+      </p:grpSp>
+    </p:spTree>
+    <p:extLst>
+      <p:ext uri="{BB962C8B-B14F-4D97-AF65-F5344CB8AC3E}">
+        <p14:creationId xmlns:p14="http://schemas.microsoft.com/office/powerpoint/2010/main" val="1670294414"/>
+      </p:ext>
+    </p:extLst>
+  </p:cSld>
+  <p:clrMapOvr>
+    <a:masterClrMapping/>
+  </p:clrMapOvr>
+</p:sld>
+</file>
+
 <file path=ppt/theme/theme1.xml><?xml version="1.0" encoding="utf-8"?>
 <a:theme xmlns:a="http://schemas.openxmlformats.org/drawingml/2006/main" name="Office Theme">
   <a:themeElements>

--- a/figures/fig2.pptx
+++ b/figures/fig2.pptx
@@ -199,7 +199,7 @@
           <a:p>
             <a:fld id="{EE059957-E05F-F147-A4C8-F4B224500FD7}" type="datetimeFigureOut">
               <a:rPr lang="en-US" smtClean="0"/>
-              <a:t>10/2/24</a:t>
+              <a:t>1/24/25</a:t>
             </a:fld>
             <a:endParaRPr lang="en-US"/>
           </a:p>
@@ -700,7 +700,7 @@
           <a:p>
             <a:fld id="{9F28BF09-1815-BE48-B712-3508DE979B95}" type="datetimeFigureOut">
               <a:rPr lang="en-US" smtClean="0"/>
-              <a:t>10/2/24</a:t>
+              <a:t>1/24/25</a:t>
             </a:fld>
             <a:endParaRPr lang="en-US"/>
           </a:p>
@@ -900,7 +900,7 @@
           <a:p>
             <a:fld id="{9F28BF09-1815-BE48-B712-3508DE979B95}" type="datetimeFigureOut">
               <a:rPr lang="en-US" smtClean="0"/>
-              <a:t>10/2/24</a:t>
+              <a:t>1/24/25</a:t>
             </a:fld>
             <a:endParaRPr lang="en-US"/>
           </a:p>
@@ -1110,7 +1110,7 @@
           <a:p>
             <a:fld id="{9F28BF09-1815-BE48-B712-3508DE979B95}" type="datetimeFigureOut">
               <a:rPr lang="en-US" smtClean="0"/>
-              <a:t>10/2/24</a:t>
+              <a:t>1/24/25</a:t>
             </a:fld>
             <a:endParaRPr lang="en-US"/>
           </a:p>
@@ -1310,7 +1310,7 @@
           <a:p>
             <a:fld id="{9F28BF09-1815-BE48-B712-3508DE979B95}" type="datetimeFigureOut">
               <a:rPr lang="en-US" smtClean="0"/>
-              <a:t>10/2/24</a:t>
+              <a:t>1/24/25</a:t>
             </a:fld>
             <a:endParaRPr lang="en-US"/>
           </a:p>
@@ -1586,7 +1586,7 @@
           <a:p>
             <a:fld id="{9F28BF09-1815-BE48-B712-3508DE979B95}" type="datetimeFigureOut">
               <a:rPr lang="en-US" smtClean="0"/>
-              <a:t>10/2/24</a:t>
+              <a:t>1/24/25</a:t>
             </a:fld>
             <a:endParaRPr lang="en-US"/>
           </a:p>
@@ -1854,7 +1854,7 @@
           <a:p>
             <a:fld id="{9F28BF09-1815-BE48-B712-3508DE979B95}" type="datetimeFigureOut">
               <a:rPr lang="en-US" smtClean="0"/>
-              <a:t>10/2/24</a:t>
+              <a:t>1/24/25</a:t>
             </a:fld>
             <a:endParaRPr lang="en-US"/>
           </a:p>
@@ -2269,7 +2269,7 @@
           <a:p>
             <a:fld id="{9F28BF09-1815-BE48-B712-3508DE979B95}" type="datetimeFigureOut">
               <a:rPr lang="en-US" smtClean="0"/>
-              <a:t>10/2/24</a:t>
+              <a:t>1/24/25</a:t>
             </a:fld>
             <a:endParaRPr lang="en-US"/>
           </a:p>
@@ -2411,7 +2411,7 @@
           <a:p>
             <a:fld id="{9F28BF09-1815-BE48-B712-3508DE979B95}" type="datetimeFigureOut">
               <a:rPr lang="en-US" smtClean="0"/>
-              <a:t>10/2/24</a:t>
+              <a:t>1/24/25</a:t>
             </a:fld>
             <a:endParaRPr lang="en-US"/>
           </a:p>
@@ -2524,7 +2524,7 @@
           <a:p>
             <a:fld id="{9F28BF09-1815-BE48-B712-3508DE979B95}" type="datetimeFigureOut">
               <a:rPr lang="en-US" smtClean="0"/>
-              <a:t>10/2/24</a:t>
+              <a:t>1/24/25</a:t>
             </a:fld>
             <a:endParaRPr lang="en-US"/>
           </a:p>
@@ -2837,7 +2837,7 @@
           <a:p>
             <a:fld id="{9F28BF09-1815-BE48-B712-3508DE979B95}" type="datetimeFigureOut">
               <a:rPr lang="en-US" smtClean="0"/>
-              <a:t>10/2/24</a:t>
+              <a:t>1/24/25</a:t>
             </a:fld>
             <a:endParaRPr lang="en-US"/>
           </a:p>
@@ -3126,7 +3126,7 @@
           <a:p>
             <a:fld id="{9F28BF09-1815-BE48-B712-3508DE979B95}" type="datetimeFigureOut">
               <a:rPr lang="en-US" smtClean="0"/>
-              <a:t>10/2/24</a:t>
+              <a:t>1/24/25</a:t>
             </a:fld>
             <a:endParaRPr lang="en-US"/>
           </a:p>
@@ -3369,7 +3369,7 @@
           <a:p>
             <a:fld id="{9F28BF09-1815-BE48-B712-3508DE979B95}" type="datetimeFigureOut">
               <a:rPr lang="en-US" smtClean="0"/>
-              <a:t>10/2/24</a:t>
+              <a:t>1/24/25</a:t>
             </a:fld>
             <a:endParaRPr lang="en-US"/>
           </a:p>
@@ -5676,10 +5676,10 @@
       </p:grpSpPr>
       <p:grpSp>
         <p:nvGrpSpPr>
-          <p:cNvPr id="12" name="Group 11">
+          <p:cNvPr id="13" name="Group 12">
             <a:extLst>
               <a:ext uri="{FF2B5EF4-FFF2-40B4-BE49-F238E27FC236}">
-                <a16:creationId xmlns:a16="http://schemas.microsoft.com/office/drawing/2014/main" id="{0606B350-B200-92DA-9D5C-FBC888714BD9}"/>
+                <a16:creationId xmlns:a16="http://schemas.microsoft.com/office/drawing/2014/main" id="{32954436-13DE-9EC3-3841-EE57BAB060E1}"/>
               </a:ext>
             </a:extLst>
           </p:cNvPr>
@@ -5688,10 +5688,10 @@
         </p:nvGrpSpPr>
         <p:grpSpPr>
           <a:xfrm>
-            <a:off x="2459421" y="0"/>
-            <a:ext cx="7514896" cy="6858000"/>
-            <a:chOff x="2459421" y="0"/>
-            <a:chExt cx="7514896" cy="6858000"/>
+            <a:off x="1703357" y="-130629"/>
+            <a:ext cx="8406157" cy="7361584"/>
+            <a:chOff x="1703357" y="-130629"/>
+            <a:chExt cx="8406157" cy="7361584"/>
           </a:xfrm>
         </p:grpSpPr>
         <p:sp>
@@ -5708,8 +5708,8 @@
           </p:nvSpPr>
           <p:spPr>
             <a:xfrm>
-              <a:off x="2459421" y="0"/>
-              <a:ext cx="7514896" cy="6858000"/>
+              <a:off x="1703357" y="-130629"/>
+              <a:ext cx="8406157" cy="7361584"/>
             </a:xfrm>
             <a:prstGeom prst="rect">
               <a:avLst/>
@@ -5742,16 +5742,16 @@
             <a:lstStyle/>
             <a:p>
               <a:pPr algn="ctr"/>
-              <a:endParaRPr lang="en-US"/>
+              <a:endParaRPr lang="en-US" dirty="0"/>
             </a:p>
           </p:txBody>
         </p:sp>
         <p:pic>
           <p:nvPicPr>
-            <p:cNvPr id="4" name="Picture 3">
+            <p:cNvPr id="2" name="Picture 1">
               <a:extLst>
                 <a:ext uri="{FF2B5EF4-FFF2-40B4-BE49-F238E27FC236}">
-                  <a16:creationId xmlns:a16="http://schemas.microsoft.com/office/drawing/2014/main" id="{D7E4AB20-6ED4-8967-256B-0F0B563FD650}"/>
+                  <a16:creationId xmlns:a16="http://schemas.microsoft.com/office/drawing/2014/main" id="{08997479-E85D-929F-59E6-0642C3647698}"/>
                 </a:ext>
               </a:extLst>
             </p:cNvPr>
@@ -5768,7 +5768,7 @@
           </p:blipFill>
           <p:spPr>
             <a:xfrm>
-              <a:off x="2667000" y="0"/>
+              <a:off x="2276261" y="68154"/>
               <a:ext cx="6858000" cy="6858000"/>
             </a:xfrm>
             <a:prstGeom prst="rect">
@@ -5790,8 +5790,8 @@
           </p:nvSpPr>
           <p:spPr>
             <a:xfrm>
-              <a:off x="7615645" y="3815810"/>
-              <a:ext cx="2066109" cy="1754326"/>
+              <a:off x="7460844" y="4113267"/>
+              <a:ext cx="2066109" cy="1169551"/>
             </a:xfrm>
             <a:prstGeom prst="rect">
               <a:avLst/>
@@ -5804,15 +5804,42 @@
             </a:bodyPr>
             <a:lstStyle/>
             <a:p>
+              <a:pPr algn="ctr"/>
               <a:r>
-                <a:rPr lang="en-US" dirty="0">
+                <a:rPr lang="en-US" sz="1400" dirty="0">
                   <a:solidFill>
                     <a:srgbClr val="7030A0"/>
                   </a:solidFill>
                   <a:latin typeface="Arial" panose="020B0604020202020204" pitchFamily="34" charset="0"/>
                   <a:cs typeface="Arial" panose="020B0604020202020204" pitchFamily="34" charset="0"/>
                 </a:rPr>
-                <a:t> x = Number of days of observed root growth after the date of peak aboveground growth</a:t>
+                <a:t>Final root core extraction date </a:t>
+              </a:r>
+            </a:p>
+            <a:p>
+              <a:pPr algn="ctr"/>
+              <a:r>
+                <a:rPr lang="en-US" sz="1400" dirty="0">
+                  <a:solidFill>
+                    <a:srgbClr val="7030A0"/>
+                  </a:solidFill>
+                  <a:latin typeface="Arial" panose="020B0604020202020204" pitchFamily="34" charset="0"/>
+                  <a:cs typeface="Arial" panose="020B0604020202020204" pitchFamily="34" charset="0"/>
+                </a:rPr>
+                <a:t>– </a:t>
+              </a:r>
+            </a:p>
+            <a:p>
+              <a:pPr algn="ctr"/>
+              <a:r>
+                <a:rPr lang="en-US" sz="1400" dirty="0">
+                  <a:solidFill>
+                    <a:srgbClr val="7030A0"/>
+                  </a:solidFill>
+                  <a:latin typeface="Arial" panose="020B0604020202020204" pitchFamily="34" charset="0"/>
+                  <a:cs typeface="Arial" panose="020B0604020202020204" pitchFamily="34" charset="0"/>
+                </a:rPr>
+                <a:t>aboveground peak greenness</a:t>
               </a:r>
             </a:p>
           </p:txBody>
@@ -5831,8 +5858,8 @@
           </p:nvSpPr>
           <p:spPr>
             <a:xfrm>
-              <a:off x="6677059" y="1756475"/>
-              <a:ext cx="441146" cy="369332"/>
+              <a:off x="6279771" y="1824629"/>
+              <a:ext cx="383438" cy="307777"/>
             </a:xfrm>
             <a:prstGeom prst="rect">
               <a:avLst/>
@@ -5851,7 +5878,7 @@
             <a:lstStyle/>
             <a:p>
               <a:r>
-                <a:rPr lang="en-US" dirty="0">
+                <a:rPr lang="en-US" sz="1400" dirty="0">
                   <a:solidFill>
                     <a:srgbClr val="7030A0"/>
                   </a:solidFill>
@@ -5877,8 +5904,8 @@
           </p:nvSpPr>
           <p:spPr>
             <a:xfrm>
-              <a:off x="8993099" y="1739225"/>
-              <a:ext cx="441146" cy="369332"/>
+              <a:off x="8595811" y="1807379"/>
+              <a:ext cx="383438" cy="307777"/>
             </a:xfrm>
             <a:prstGeom prst="rect">
               <a:avLst/>
@@ -5897,7 +5924,7 @@
             <a:lstStyle/>
             <a:p>
               <a:r>
-                <a:rPr lang="en-US" dirty="0">
+                <a:rPr lang="en-US" sz="1400" dirty="0">
                   <a:solidFill>
                     <a:srgbClr val="7030A0"/>
                   </a:solidFill>
@@ -5923,8 +5950,8 @@
           </p:nvSpPr>
           <p:spPr>
             <a:xfrm>
-              <a:off x="4479604" y="5193661"/>
-              <a:ext cx="441146" cy="369332"/>
+              <a:off x="4082316" y="5261815"/>
+              <a:ext cx="383438" cy="307777"/>
             </a:xfrm>
             <a:prstGeom prst="rect">
               <a:avLst/>
@@ -5943,7 +5970,7 @@
             <a:lstStyle/>
             <a:p>
               <a:r>
-                <a:rPr lang="en-US" dirty="0">
+                <a:rPr lang="en-US" sz="1400" dirty="0">
                   <a:solidFill>
                     <a:srgbClr val="7030A0"/>
                   </a:solidFill>
@@ -5969,8 +5996,8 @@
           </p:nvSpPr>
           <p:spPr>
             <a:xfrm>
-              <a:off x="6733354" y="5180181"/>
-              <a:ext cx="569387" cy="369332"/>
+              <a:off x="6336066" y="5248335"/>
+              <a:ext cx="482824" cy="307777"/>
             </a:xfrm>
             <a:prstGeom prst="rect">
               <a:avLst/>
@@ -5989,7 +6016,7 @@
             <a:lstStyle/>
             <a:p>
               <a:r>
-                <a:rPr lang="en-US" dirty="0">
+                <a:rPr lang="en-US" sz="1400" dirty="0">
                   <a:solidFill>
                     <a:srgbClr val="7030A0"/>
                   </a:solidFill>
@@ -6015,7 +6042,7 @@
           </p:nvSpPr>
           <p:spPr>
             <a:xfrm>
-              <a:off x="4038458" y="1756475"/>
+              <a:off x="3641170" y="1824629"/>
               <a:ext cx="882292" cy="507831"/>
             </a:xfrm>
             <a:prstGeom prst="rect">
@@ -6047,6 +6074,50 @@
             </a:p>
           </p:txBody>
         </p:sp>
+        <p:cxnSp>
+          <p:nvCxnSpPr>
+            <p:cNvPr id="3" name="Straight Arrow Connector 2">
+              <a:extLst>
+                <a:ext uri="{FF2B5EF4-FFF2-40B4-BE49-F238E27FC236}">
+                  <a16:creationId xmlns:a16="http://schemas.microsoft.com/office/drawing/2014/main" id="{6E643C8D-536F-BBC9-1246-9F131D58AA59}"/>
+                </a:ext>
+              </a:extLst>
+            </p:cNvPr>
+            <p:cNvCxnSpPr>
+              <a:cxnSpLocks/>
+            </p:cNvCxnSpPr>
+            <p:nvPr/>
+          </p:nvCxnSpPr>
+          <p:spPr>
+            <a:xfrm flipH="1">
+              <a:off x="6959167" y="4689712"/>
+              <a:ext cx="501677" cy="622828"/>
+            </a:xfrm>
+            <a:prstGeom prst="straightConnector1">
+              <a:avLst/>
+            </a:prstGeom>
+            <a:ln>
+              <a:solidFill>
+                <a:srgbClr val="7030A0"/>
+              </a:solidFill>
+              <a:tailEnd type="triangle"/>
+            </a:ln>
+          </p:spPr>
+          <p:style>
+            <a:lnRef idx="1">
+              <a:schemeClr val="accent1"/>
+            </a:lnRef>
+            <a:fillRef idx="0">
+              <a:schemeClr val="accent1"/>
+            </a:fillRef>
+            <a:effectRef idx="0">
+              <a:schemeClr val="accent1"/>
+            </a:effectRef>
+            <a:fontRef idx="minor">
+              <a:schemeClr val="tx1"/>
+            </a:fontRef>
+          </p:style>
+        </p:cxnSp>
       </p:grpSp>
     </p:spTree>
     <p:extLst>
